--- a/Lab2/WindFarmArchitecture-16DB6E74.pptx
+++ b/Lab2/WindFarmArchitecture-16DB6E74.pptx
@@ -282,7 +282,7 @@
           <a:p>
             <a:fld id="{BC64D466-EBB8-4173-9A5F-C54CF0352AA8}" type="datetimeFigureOut">
               <a:rPr lang="en-US" smtClean="0"/>
-              <a:t>12/26/2019</a:t>
+              <a:t>12/30/2019</a:t>
             </a:fld>
             <a:endParaRPr lang="en-US"/>
           </a:p>
@@ -480,7 +480,7 @@
           <a:p>
             <a:fld id="{BC64D466-EBB8-4173-9A5F-C54CF0352AA8}" type="datetimeFigureOut">
               <a:rPr lang="en-US" smtClean="0"/>
-              <a:t>12/26/2019</a:t>
+              <a:t>12/30/2019</a:t>
             </a:fld>
             <a:endParaRPr lang="en-US"/>
           </a:p>
@@ -688,7 +688,7 @@
           <a:p>
             <a:fld id="{BC64D466-EBB8-4173-9A5F-C54CF0352AA8}" type="datetimeFigureOut">
               <a:rPr lang="en-US" smtClean="0"/>
-              <a:t>12/26/2019</a:t>
+              <a:t>12/30/2019</a:t>
             </a:fld>
             <a:endParaRPr lang="en-US"/>
           </a:p>
@@ -886,7 +886,7 @@
           <a:p>
             <a:fld id="{BC64D466-EBB8-4173-9A5F-C54CF0352AA8}" type="datetimeFigureOut">
               <a:rPr lang="en-US" smtClean="0"/>
-              <a:t>12/26/2019</a:t>
+              <a:t>12/30/2019</a:t>
             </a:fld>
             <a:endParaRPr lang="en-US"/>
           </a:p>
@@ -1161,7 +1161,7 @@
           <a:p>
             <a:fld id="{BC64D466-EBB8-4173-9A5F-C54CF0352AA8}" type="datetimeFigureOut">
               <a:rPr lang="en-US" smtClean="0"/>
-              <a:t>12/26/2019</a:t>
+              <a:t>12/30/2019</a:t>
             </a:fld>
             <a:endParaRPr lang="en-US"/>
           </a:p>
@@ -1426,7 +1426,7 @@
           <a:p>
             <a:fld id="{BC64D466-EBB8-4173-9A5F-C54CF0352AA8}" type="datetimeFigureOut">
               <a:rPr lang="en-US" smtClean="0"/>
-              <a:t>12/26/2019</a:t>
+              <a:t>12/30/2019</a:t>
             </a:fld>
             <a:endParaRPr lang="en-US"/>
           </a:p>
@@ -1838,7 +1838,7 @@
           <a:p>
             <a:fld id="{BC64D466-EBB8-4173-9A5F-C54CF0352AA8}" type="datetimeFigureOut">
               <a:rPr lang="en-US" smtClean="0"/>
-              <a:t>12/26/2019</a:t>
+              <a:t>12/30/2019</a:t>
             </a:fld>
             <a:endParaRPr lang="en-US"/>
           </a:p>
@@ -1979,7 +1979,7 @@
           <a:p>
             <a:fld id="{BC64D466-EBB8-4173-9A5F-C54CF0352AA8}" type="datetimeFigureOut">
               <a:rPr lang="en-US" smtClean="0"/>
-              <a:t>12/26/2019</a:t>
+              <a:t>12/30/2019</a:t>
             </a:fld>
             <a:endParaRPr lang="en-US"/>
           </a:p>
@@ -2092,7 +2092,7 @@
           <a:p>
             <a:fld id="{BC64D466-EBB8-4173-9A5F-C54CF0352AA8}" type="datetimeFigureOut">
               <a:rPr lang="en-US" smtClean="0"/>
-              <a:t>12/26/2019</a:t>
+              <a:t>12/30/2019</a:t>
             </a:fld>
             <a:endParaRPr lang="en-US"/>
           </a:p>
@@ -2403,7 +2403,7 @@
           <a:p>
             <a:fld id="{BC64D466-EBB8-4173-9A5F-C54CF0352AA8}" type="datetimeFigureOut">
               <a:rPr lang="en-US" smtClean="0"/>
-              <a:t>12/26/2019</a:t>
+              <a:t>12/30/2019</a:t>
             </a:fld>
             <a:endParaRPr lang="en-US"/>
           </a:p>
@@ -2691,7 +2691,7 @@
           <a:p>
             <a:fld id="{BC64D466-EBB8-4173-9A5F-C54CF0352AA8}" type="datetimeFigureOut">
               <a:rPr lang="en-US" smtClean="0"/>
-              <a:t>12/26/2019</a:t>
+              <a:t>12/30/2019</a:t>
             </a:fld>
             <a:endParaRPr lang="en-US"/>
           </a:p>
@@ -2932,7 +2932,7 @@
           <a:p>
             <a:fld id="{BC64D466-EBB8-4173-9A5F-C54CF0352AA8}" type="datetimeFigureOut">
               <a:rPr lang="en-US" smtClean="0"/>
-              <a:t>12/26/2019</a:t>
+              <a:t>12/30/2019</a:t>
             </a:fld>
             <a:endParaRPr lang="en-US"/>
           </a:p>
@@ -3956,7 +3956,7 @@
         </p:nvSpPr>
         <p:spPr>
           <a:xfrm>
-            <a:off x="5101287" y="3190858"/>
+            <a:off x="5966343" y="3179041"/>
             <a:ext cx="1989425" cy="952565"/>
           </a:xfrm>
           <a:prstGeom prst="rect">
@@ -4244,7 +4244,7 @@
         <p:spPr>
           <a:xfrm>
             <a:off x="6096000" y="2526295"/>
-            <a:ext cx="0" cy="664563"/>
+            <a:ext cx="865056" cy="652746"/>
           </a:xfrm>
           <a:prstGeom prst="straightConnector1">
             <a:avLst/>
@@ -4285,9 +4285,9 @@
           <p:nvPr/>
         </p:nvCxnSpPr>
         <p:spPr>
-          <a:xfrm flipV="1">
-            <a:off x="7090712" y="3667140"/>
-            <a:ext cx="2224824" cy="1"/>
+          <a:xfrm>
+            <a:off x="7955768" y="3655324"/>
+            <a:ext cx="1359768" cy="11816"/>
           </a:xfrm>
           <a:prstGeom prst="straightConnector1">
             <a:avLst/>
@@ -4325,7 +4325,7 @@
         </p:nvSpPr>
         <p:spPr>
           <a:xfrm>
-            <a:off x="5101287" y="4619705"/>
+            <a:off x="5966343" y="4884173"/>
             <a:ext cx="1989425" cy="952565"/>
           </a:xfrm>
           <a:prstGeom prst="rect">
@@ -4407,6 +4407,7 @@
             </a:extLst>
           </p:cNvPr>
           <p:cNvCxnSpPr>
+            <a:cxnSpLocks/>
             <a:stCxn id="13" idx="2"/>
             <a:endCxn id="102" idx="0"/>
           </p:cNvCxnSpPr>
@@ -4414,8 +4415,8 @@
         </p:nvCxnSpPr>
         <p:spPr>
           <a:xfrm>
-            <a:off x="6096000" y="4143423"/>
-            <a:ext cx="0" cy="476282"/>
+            <a:off x="6961056" y="4131606"/>
+            <a:ext cx="0" cy="752567"/>
           </a:xfrm>
           <a:prstGeom prst="straightConnector1">
             <a:avLst/>
@@ -4629,7 +4630,7 @@
         </p:nvSpPr>
         <p:spPr>
           <a:xfrm>
-            <a:off x="6263675" y="4179381"/>
+            <a:off x="6560278" y="4305861"/>
             <a:ext cx="191868" cy="369332"/>
           </a:xfrm>
           <a:prstGeom prst="rect">
@@ -4664,7 +4665,7 @@
         </p:nvSpPr>
         <p:spPr>
           <a:xfrm>
-            <a:off x="7917484" y="3244334"/>
+            <a:off x="8099592" y="3309607"/>
             <a:ext cx="191868" cy="369332"/>
           </a:xfrm>
           <a:prstGeom prst="rect">
@@ -4681,6 +4682,334 @@
             <a:r>
               <a:rPr lang="en-US" dirty="0"/>
               <a:t>7</a:t>
+            </a:r>
+          </a:p>
+        </p:txBody>
+      </p:sp>
+      <p:sp>
+        <p:nvSpPr>
+          <p:cNvPr id="31" name="Rectangle 30">
+            <a:extLst>
+              <a:ext uri="{FF2B5EF4-FFF2-40B4-BE49-F238E27FC236}">
+                <a16:creationId xmlns:a16="http://schemas.microsoft.com/office/drawing/2014/main" id="{338C2B71-9DD6-442C-A94C-A77A8CB990F1}"/>
+              </a:ext>
+            </a:extLst>
+          </p:cNvPr>
+          <p:cNvSpPr/>
+          <p:nvPr/>
+        </p:nvSpPr>
+        <p:spPr>
+          <a:xfrm>
+            <a:off x="3306619" y="3595254"/>
+            <a:ext cx="1989425" cy="952565"/>
+          </a:xfrm>
+          <a:prstGeom prst="rect">
+            <a:avLst/>
+          </a:prstGeom>
+          <a:solidFill>
+            <a:schemeClr val="accent1"/>
+          </a:solidFill>
+          <a:ln>
+            <a:solidFill>
+              <a:schemeClr val="bg1"/>
+            </a:solidFill>
+          </a:ln>
+        </p:spPr>
+        <p:style>
+          <a:lnRef idx="2">
+            <a:schemeClr val="accent1"/>
+          </a:lnRef>
+          <a:fillRef idx="1">
+            <a:schemeClr val="lt1"/>
+          </a:fillRef>
+          <a:effectRef idx="0">
+            <a:schemeClr val="accent1"/>
+          </a:effectRef>
+          <a:fontRef idx="minor">
+            <a:schemeClr val="dk1"/>
+          </a:fontRef>
+        </p:style>
+        <p:txBody>
+          <a:bodyPr rtlCol="0" anchor="ctr"/>
+          <a:lstStyle/>
+          <a:p>
+            <a:pPr algn="ctr"/>
+            <a:r>
+              <a:rPr lang="en-US" dirty="0">
+                <a:solidFill>
+                  <a:schemeClr val="bg1"/>
+                </a:solidFill>
+              </a:rPr>
+              <a:t>Warm storage</a:t>
+            </a:r>
+          </a:p>
+          <a:p>
+            <a:pPr algn="ctr"/>
+            <a:r>
+              <a:rPr lang="en-US" sz="1200" dirty="0">
+                <a:solidFill>
+                  <a:schemeClr val="bg1"/>
+                </a:solidFill>
+              </a:rPr>
+              <a:t>(</a:t>
+            </a:r>
+            <a:r>
+              <a:rPr lang="en-US" sz="1400" dirty="0" err="1">
+                <a:solidFill>
+                  <a:schemeClr val="bg1"/>
+                </a:solidFill>
+              </a:rPr>
+              <a:t>CosmosDB</a:t>
+            </a:r>
+            <a:r>
+              <a:rPr lang="en-US" sz="1200" dirty="0">
+                <a:solidFill>
+                  <a:schemeClr val="bg1"/>
+                </a:solidFill>
+              </a:rPr>
+              <a:t>)</a:t>
+            </a:r>
+          </a:p>
+        </p:txBody>
+      </p:sp>
+      <p:sp>
+        <p:nvSpPr>
+          <p:cNvPr id="36" name="Rectangle 35">
+            <a:extLst>
+              <a:ext uri="{FF2B5EF4-FFF2-40B4-BE49-F238E27FC236}">
+                <a16:creationId xmlns:a16="http://schemas.microsoft.com/office/drawing/2014/main" id="{028E6518-8556-4656-B86A-BD068C39B7A9}"/>
+              </a:ext>
+            </a:extLst>
+          </p:cNvPr>
+          <p:cNvSpPr/>
+          <p:nvPr/>
+        </p:nvSpPr>
+        <p:spPr>
+          <a:xfrm>
+            <a:off x="3306619" y="5140495"/>
+            <a:ext cx="1989425" cy="952565"/>
+          </a:xfrm>
+          <a:prstGeom prst="rect">
+            <a:avLst/>
+          </a:prstGeom>
+          <a:solidFill>
+            <a:schemeClr val="accent1"/>
+          </a:solidFill>
+          <a:ln>
+            <a:solidFill>
+              <a:schemeClr val="bg1"/>
+            </a:solidFill>
+          </a:ln>
+        </p:spPr>
+        <p:style>
+          <a:lnRef idx="2">
+            <a:schemeClr val="accent1"/>
+          </a:lnRef>
+          <a:fillRef idx="1">
+            <a:schemeClr val="lt1"/>
+          </a:fillRef>
+          <a:effectRef idx="0">
+            <a:schemeClr val="accent1"/>
+          </a:effectRef>
+          <a:fontRef idx="minor">
+            <a:schemeClr val="dk1"/>
+          </a:fontRef>
+        </p:style>
+        <p:txBody>
+          <a:bodyPr rtlCol="0" anchor="ctr"/>
+          <a:lstStyle/>
+          <a:p>
+            <a:pPr algn="ctr"/>
+            <a:r>
+              <a:rPr lang="en-US" dirty="0">
+                <a:solidFill>
+                  <a:schemeClr val="bg1"/>
+                </a:solidFill>
+              </a:rPr>
+              <a:t>Dashboard </a:t>
+            </a:r>
+          </a:p>
+          <a:p>
+            <a:pPr algn="ctr"/>
+            <a:r>
+              <a:rPr lang="en-US" sz="1200" dirty="0">
+                <a:solidFill>
+                  <a:schemeClr val="bg1"/>
+                </a:solidFill>
+              </a:rPr>
+              <a:t>(</a:t>
+            </a:r>
+            <a:r>
+              <a:rPr lang="en-US" sz="1400" dirty="0" err="1">
+                <a:solidFill>
+                  <a:schemeClr val="bg1"/>
+                </a:solidFill>
+              </a:rPr>
+              <a:t>PowerBI</a:t>
+            </a:r>
+            <a:r>
+              <a:rPr lang="en-US" sz="1200" dirty="0">
+                <a:solidFill>
+                  <a:schemeClr val="bg1"/>
+                </a:solidFill>
+              </a:rPr>
+              <a:t>)</a:t>
+            </a:r>
+          </a:p>
+        </p:txBody>
+      </p:sp>
+      <p:cxnSp>
+        <p:nvCxnSpPr>
+          <p:cNvPr id="37" name="Straight Arrow Connector 36">
+            <a:extLst>
+              <a:ext uri="{FF2B5EF4-FFF2-40B4-BE49-F238E27FC236}">
+                <a16:creationId xmlns:a16="http://schemas.microsoft.com/office/drawing/2014/main" id="{BD2C88A9-7236-42DA-B0A7-E9AF0357A8AA}"/>
+              </a:ext>
+            </a:extLst>
+          </p:cNvPr>
+          <p:cNvCxnSpPr>
+            <a:cxnSpLocks/>
+            <a:stCxn id="12" idx="2"/>
+            <a:endCxn id="31" idx="0"/>
+          </p:cNvCxnSpPr>
+          <p:nvPr/>
+        </p:nvCxnSpPr>
+        <p:spPr>
+          <a:xfrm flipH="1">
+            <a:off x="4301332" y="2526295"/>
+            <a:ext cx="1794668" cy="1068959"/>
+          </a:xfrm>
+          <a:prstGeom prst="straightConnector1">
+            <a:avLst/>
+          </a:prstGeom>
+          <a:ln w="50800">
+            <a:tailEnd type="triangle"/>
+          </a:ln>
+        </p:spPr>
+        <p:style>
+          <a:lnRef idx="1">
+            <a:schemeClr val="accent1"/>
+          </a:lnRef>
+          <a:fillRef idx="0">
+            <a:schemeClr val="accent1"/>
+          </a:fillRef>
+          <a:effectRef idx="0">
+            <a:schemeClr val="accent1"/>
+          </a:effectRef>
+          <a:fontRef idx="minor">
+            <a:schemeClr val="tx1"/>
+          </a:fontRef>
+        </p:style>
+      </p:cxnSp>
+      <p:cxnSp>
+        <p:nvCxnSpPr>
+          <p:cNvPr id="46" name="Straight Arrow Connector 45">
+            <a:extLst>
+              <a:ext uri="{FF2B5EF4-FFF2-40B4-BE49-F238E27FC236}">
+                <a16:creationId xmlns:a16="http://schemas.microsoft.com/office/drawing/2014/main" id="{7F01BC65-9CD1-4C8F-B9CB-969CFC7B66C4}"/>
+              </a:ext>
+            </a:extLst>
+          </p:cNvPr>
+          <p:cNvCxnSpPr>
+            <a:cxnSpLocks/>
+            <a:stCxn id="31" idx="2"/>
+            <a:endCxn id="36" idx="0"/>
+          </p:cNvCxnSpPr>
+          <p:nvPr/>
+        </p:nvCxnSpPr>
+        <p:spPr>
+          <a:xfrm>
+            <a:off x="4301332" y="4547819"/>
+            <a:ext cx="0" cy="592676"/>
+          </a:xfrm>
+          <a:prstGeom prst="straightConnector1">
+            <a:avLst/>
+          </a:prstGeom>
+          <a:ln w="50800">
+            <a:tailEnd type="triangle"/>
+          </a:ln>
+        </p:spPr>
+        <p:style>
+          <a:lnRef idx="1">
+            <a:schemeClr val="accent1"/>
+          </a:lnRef>
+          <a:fillRef idx="0">
+            <a:schemeClr val="accent1"/>
+          </a:fillRef>
+          <a:effectRef idx="0">
+            <a:schemeClr val="accent1"/>
+          </a:effectRef>
+          <a:fontRef idx="minor">
+            <a:schemeClr val="tx1"/>
+          </a:fontRef>
+        </p:style>
+      </p:cxnSp>
+      <p:sp>
+        <p:nvSpPr>
+          <p:cNvPr id="27" name="TextBox 26">
+            <a:extLst>
+              <a:ext uri="{FF2B5EF4-FFF2-40B4-BE49-F238E27FC236}">
+                <a16:creationId xmlns:a16="http://schemas.microsoft.com/office/drawing/2014/main" id="{EA3E85FE-9309-46DC-B04B-DF06FEEAAF91}"/>
+              </a:ext>
+            </a:extLst>
+          </p:cNvPr>
+          <p:cNvSpPr txBox="1"/>
+          <p:nvPr/>
+        </p:nvSpPr>
+        <p:spPr>
+          <a:xfrm>
+            <a:off x="4669122" y="2952260"/>
+            <a:ext cx="297606" cy="369332"/>
+          </a:xfrm>
+          <a:prstGeom prst="rect">
+            <a:avLst/>
+          </a:prstGeom>
+          <a:noFill/>
+        </p:spPr>
+        <p:txBody>
+          <a:bodyPr wrap="square" rtlCol="0">
+            <a:spAutoFit/>
+          </a:bodyPr>
+          <a:lstStyle/>
+          <a:p>
+            <a:r>
+              <a:rPr lang="en-US" dirty="0"/>
+              <a:t>8</a:t>
+            </a:r>
+          </a:p>
+        </p:txBody>
+      </p:sp>
+      <p:sp>
+        <p:nvSpPr>
+          <p:cNvPr id="28" name="TextBox 27">
+            <a:extLst>
+              <a:ext uri="{FF2B5EF4-FFF2-40B4-BE49-F238E27FC236}">
+                <a16:creationId xmlns:a16="http://schemas.microsoft.com/office/drawing/2014/main" id="{AC4D45C5-811B-4256-8FB6-FC05BD152177}"/>
+              </a:ext>
+            </a:extLst>
+          </p:cNvPr>
+          <p:cNvSpPr txBox="1"/>
+          <p:nvPr/>
+        </p:nvSpPr>
+        <p:spPr>
+          <a:xfrm>
+            <a:off x="3990109" y="4648090"/>
+            <a:ext cx="207813" cy="369332"/>
+          </a:xfrm>
+          <a:prstGeom prst="rect">
+            <a:avLst/>
+          </a:prstGeom>
+          <a:noFill/>
+        </p:spPr>
+        <p:txBody>
+          <a:bodyPr wrap="square" rtlCol="0">
+            <a:spAutoFit/>
+          </a:bodyPr>
+          <a:lstStyle/>
+          <a:p>
+            <a:r>
+              <a:rPr lang="en-US" dirty="0"/>
+              <a:t>9</a:t>
             </a:r>
           </a:p>
         </p:txBody>

--- a/Lab2/WindFarmArchitecture-16DB6E74.pptx
+++ b/Lab2/WindFarmArchitecture-16DB6E74.pptx
@@ -4700,7 +4700,7 @@
         </p:nvSpPr>
         <p:spPr>
           <a:xfrm>
-            <a:off x="3306619" y="3595254"/>
+            <a:off x="3313898" y="3892839"/>
             <a:ext cx="1989425" cy="952565"/>
           </a:xfrm>
           <a:prstGeom prst="rect">
@@ -4876,8 +4876,8 @@
         </p:nvCxnSpPr>
         <p:spPr>
           <a:xfrm flipH="1">
-            <a:off x="4301332" y="2526295"/>
-            <a:ext cx="1794668" cy="1068959"/>
+            <a:off x="4308611" y="2526295"/>
+            <a:ext cx="1787389" cy="1366544"/>
           </a:xfrm>
           <a:prstGeom prst="straightConnector1">
             <a:avLst/>
@@ -4918,9 +4918,9 @@
           <p:nvPr/>
         </p:nvCxnSpPr>
         <p:spPr>
-          <a:xfrm>
-            <a:off x="4301332" y="4547819"/>
-            <a:ext cx="0" cy="592676"/>
+          <a:xfrm flipH="1">
+            <a:off x="4301332" y="4845404"/>
+            <a:ext cx="7279" cy="295091"/>
           </a:xfrm>
           <a:prstGeom prst="straightConnector1">
             <a:avLst/>
@@ -4993,7 +4993,7 @@
         </p:nvSpPr>
         <p:spPr>
           <a:xfrm>
-            <a:off x="3990109" y="4648090"/>
+            <a:off x="3936276" y="4771163"/>
             <a:ext cx="207813" cy="369332"/>
           </a:xfrm>
           <a:prstGeom prst="rect">
@@ -5010,6 +5010,141 @@
             <a:r>
               <a:rPr lang="en-US" dirty="0"/>
               <a:t>9</a:t>
+            </a:r>
+          </a:p>
+        </p:txBody>
+      </p:sp>
+      <p:sp>
+        <p:nvSpPr>
+          <p:cNvPr id="54" name="Rectangle: Rounded Corners 53">
+            <a:extLst>
+              <a:ext uri="{FF2B5EF4-FFF2-40B4-BE49-F238E27FC236}">
+                <a16:creationId xmlns:a16="http://schemas.microsoft.com/office/drawing/2014/main" id="{A8502109-34C3-415F-B432-69ED2B293A0B}"/>
+              </a:ext>
+            </a:extLst>
+          </p:cNvPr>
+          <p:cNvSpPr/>
+          <p:nvPr/>
+        </p:nvSpPr>
+        <p:spPr>
+          <a:xfrm>
+            <a:off x="517982" y="2843096"/>
+            <a:ext cx="1640627" cy="1104937"/>
+          </a:xfrm>
+          <a:prstGeom prst="roundRect">
+            <a:avLst/>
+          </a:prstGeom>
+        </p:spPr>
+        <p:style>
+          <a:lnRef idx="2">
+            <a:schemeClr val="accent1">
+              <a:shade val="50000"/>
+            </a:schemeClr>
+          </a:lnRef>
+          <a:fillRef idx="1">
+            <a:schemeClr val="accent1"/>
+          </a:fillRef>
+          <a:effectRef idx="0">
+            <a:schemeClr val="accent1"/>
+          </a:effectRef>
+          <a:fontRef idx="minor">
+            <a:schemeClr val="lt1"/>
+          </a:fontRef>
+        </p:style>
+        <p:txBody>
+          <a:bodyPr rtlCol="0" anchor="ctr"/>
+          <a:lstStyle/>
+          <a:p>
+            <a:pPr algn="ctr"/>
+            <a:r>
+              <a:rPr lang="en-US" dirty="0" err="1"/>
+              <a:t>WindFarm</a:t>
+            </a:r>
+            <a:endParaRPr lang="en-US" dirty="0"/>
+          </a:p>
+          <a:p>
+            <a:pPr algn="ctr"/>
+            <a:r>
+              <a:rPr lang="en-US" sz="1400" dirty="0"/>
+              <a:t>(10 turbines)</a:t>
+            </a:r>
+          </a:p>
+        </p:txBody>
+      </p:sp>
+      <p:cxnSp>
+        <p:nvCxnSpPr>
+          <p:cNvPr id="55" name="Straight Arrow Connector 4">
+            <a:extLst>
+              <a:ext uri="{FF2B5EF4-FFF2-40B4-BE49-F238E27FC236}">
+                <a16:creationId xmlns:a16="http://schemas.microsoft.com/office/drawing/2014/main" id="{A515D1A4-9135-40BC-9589-ABF13E1C4D76}"/>
+              </a:ext>
+            </a:extLst>
+          </p:cNvPr>
+          <p:cNvCxnSpPr>
+            <a:cxnSpLocks/>
+            <a:stCxn id="54" idx="3"/>
+            <a:endCxn id="59" idx="2"/>
+          </p:cNvCxnSpPr>
+          <p:nvPr/>
+        </p:nvCxnSpPr>
+        <p:spPr>
+          <a:xfrm flipV="1">
+            <a:off x="2158609" y="2602479"/>
+            <a:ext cx="1467373" cy="793086"/>
+          </a:xfrm>
+          <a:prstGeom prst="bentConnector2">
+            <a:avLst/>
+          </a:prstGeom>
+          <a:ln w="50800">
+            <a:tailEnd type="triangle"/>
+          </a:ln>
+        </p:spPr>
+        <p:style>
+          <a:lnRef idx="1">
+            <a:schemeClr val="accent1"/>
+          </a:lnRef>
+          <a:fillRef idx="0">
+            <a:schemeClr val="accent1"/>
+          </a:fillRef>
+          <a:effectRef idx="0">
+            <a:schemeClr val="accent1"/>
+          </a:effectRef>
+          <a:fontRef idx="minor">
+            <a:schemeClr val="tx1"/>
+          </a:fontRef>
+        </p:style>
+      </p:cxnSp>
+      <p:sp>
+        <p:nvSpPr>
+          <p:cNvPr id="38" name="TextBox 37">
+            <a:extLst>
+              <a:ext uri="{FF2B5EF4-FFF2-40B4-BE49-F238E27FC236}">
+                <a16:creationId xmlns:a16="http://schemas.microsoft.com/office/drawing/2014/main" id="{F9442AB0-BB03-46AB-AB07-5580BA3CF561}"/>
+              </a:ext>
+            </a:extLst>
+          </p:cNvPr>
+          <p:cNvSpPr txBox="1"/>
+          <p:nvPr/>
+        </p:nvSpPr>
+        <p:spPr>
+          <a:xfrm>
+            <a:off x="3154534" y="3041727"/>
+            <a:ext cx="471447" cy="369332"/>
+          </a:xfrm>
+          <a:prstGeom prst="rect">
+            <a:avLst/>
+          </a:prstGeom>
+          <a:noFill/>
+        </p:spPr>
+        <p:txBody>
+          <a:bodyPr wrap="square" rtlCol="0">
+            <a:spAutoFit/>
+          </a:bodyPr>
+          <a:lstStyle/>
+          <a:p>
+            <a:r>
+              <a:rPr lang="en-US" dirty="0"/>
+              <a:t>10</a:t>
             </a:r>
           </a:p>
         </p:txBody>
@@ -5099,14 +5234,14 @@
           <p:nvPr>
             <p:extLst>
               <p:ext uri="{D42A27DB-BD31-4B8C-83A1-F6EECF244321}">
-                <p14:modId xmlns:p14="http://schemas.microsoft.com/office/powerpoint/2010/main" val="775368094"/>
+                <p14:modId xmlns:p14="http://schemas.microsoft.com/office/powerpoint/2010/main" val="3498505079"/>
               </p:ext>
             </p:extLst>
           </p:nvPr>
         </p:nvGraphicFramePr>
         <p:xfrm>
           <a:off x="375385" y="719666"/>
-          <a:ext cx="11001676" cy="5189253"/>
+          <a:ext cx="11001676" cy="4660977"/>
         </p:xfrm>
         <a:graphic>
           <a:graphicData uri="http://schemas.openxmlformats.org/drawingml/2006/table">
@@ -5171,15 +5306,15 @@
                     <a:p>
                       <a:r>
                         <a:rPr lang="en-US" sz="1400" dirty="0"/>
-                        <a:t>The weather station will send telemetry data to the cloud (simulated using an </a:t>
+                        <a:t>Add </a:t>
                       </a:r>
                       <a:r>
                         <a:rPr lang="en-US" sz="1400" dirty="0" err="1"/>
-                        <a:t>MXChip</a:t>
+                        <a:t>WinFarm</a:t>
                       </a:r>
                       <a:r>
                         <a:rPr lang="en-US" sz="1400" dirty="0"/>
-                        <a:t> AZ3166 Devkit). </a:t>
+                        <a:t> (10 turbines)</a:t>
                       </a:r>
                     </a:p>
                   </a:txBody>
@@ -5192,7 +5327,15 @@
                     <a:p>
                       <a:r>
                         <a:rPr lang="en-US" sz="1400" dirty="0"/>
-                        <a:t>Weather station is securely connected to cloud gateway (Azure IoT hub). Step “1” on architecture diagram.</a:t>
+                        <a:t>Step (10) , </a:t>
+                      </a:r>
+                      <a:r>
+                        <a:rPr lang="en-US" sz="1400" dirty="0" err="1"/>
+                        <a:t>WinFarm</a:t>
+                      </a:r>
+                      <a:r>
+                        <a:rPr lang="en-US" sz="1400" dirty="0"/>
+                        <a:t> connected to IoT hub</a:t>
                       </a:r>
                     </a:p>
                   </a:txBody>
@@ -5237,10 +5380,7 @@
                     <a:bodyPr/>
                     <a:lstStyle/>
                     <a:p>
-                      <a:r>
-                        <a:rPr lang="en-US" sz="1400" dirty="0"/>
-                        <a:t>Step “2”,  Azure Stream analytics receives all telemetry data.</a:t>
-                      </a:r>
+                      <a:endParaRPr lang="en-US" sz="1400" dirty="0"/>
                     </a:p>
                   </a:txBody>
                   <a:tcPr/>
@@ -5284,26 +5424,7 @@
                     <a:bodyPr/>
                     <a:lstStyle/>
                     <a:p>
-                      <a:r>
-                        <a:rPr lang="en-US" sz="1400" dirty="0"/>
-                        <a:t>Step “3” Azure Stream analytics  extracts "</a:t>
-                      </a:r>
-                      <a:r>
-                        <a:rPr lang="en-US" sz="1400" dirty="0" err="1"/>
-                        <a:t>deviceId</a:t>
-                      </a:r>
-                      <a:r>
-                        <a:rPr lang="en-US" sz="1400" dirty="0"/>
-                        <a:t>” and  "</a:t>
-                      </a:r>
-                      <a:r>
-                        <a:rPr lang="en-US" sz="1400" dirty="0" err="1"/>
-                        <a:t>windSpeed</a:t>
-                      </a:r>
-                      <a:r>
-                        <a:rPr lang="en-US" sz="1400" dirty="0"/>
-                        <a:t>“ from telemetry data and sends extracted data to Azure function.</a:t>
-                      </a:r>
+                      <a:endParaRPr lang="en-US" sz="1400" dirty="0"/>
                     </a:p>
                   </a:txBody>
                   <a:tcPr/>
@@ -5339,13 +5460,178 @@
                       </a:pPr>
                       <a:r>
                         <a:rPr lang="en-US" sz="1400" dirty="0"/>
-                        <a:t>Data should be monitored in real-time to ensure the wind speed does not exceed safe limits. </a:t>
+                        <a:t>Realtime Dashboard requested to visualize: </a:t>
                       </a:r>
                     </a:p>
                     <a:p>
+                      <a:pPr marL="228600" marR="0" lvl="0" indent="-228600" algn="l" defTabSz="914400" rtl="0" eaLnBrk="1" fontAlgn="auto" latinLnBrk="0" hangingPunct="1">
+                        <a:lnSpc>
+                          <a:spcPct val="100000"/>
+                        </a:lnSpc>
+                        <a:spcBef>
+                          <a:spcPts val="0"/>
+                        </a:spcBef>
+                        <a:spcAft>
+                          <a:spcPts val="0"/>
+                        </a:spcAft>
+                        <a:buClrTx/>
+                        <a:buSzTx/>
+                        <a:buFont typeface="+mj-lt"/>
+                        <a:buAutoNum type="alphaLcParenR"/>
+                        <a:tabLst/>
+                        <a:defRPr/>
+                      </a:pPr>
                       <a:r>
-                        <a:rPr lang="en-US" sz="1400" dirty="0"/>
-                        <a:t>Alert condition will be indicated through the illumination of a LED (Green - Wind Speed is Normal, Orange - Wind Speed is Strong, Red - Wind Speed is Dangerous) and the increase in frequency of the transmission of telemetry data.</a:t>
+                        <a:rPr lang="en-US" sz="1200" dirty="0"/>
+                        <a:t>Average Power</a:t>
+                      </a:r>
+                    </a:p>
+                    <a:p>
+                      <a:pPr marL="228600" marR="0" lvl="0" indent="-228600" algn="l" defTabSz="914400" rtl="0" eaLnBrk="1" fontAlgn="auto" latinLnBrk="0" hangingPunct="1">
+                        <a:lnSpc>
+                          <a:spcPct val="100000"/>
+                        </a:lnSpc>
+                        <a:spcBef>
+                          <a:spcPts val="0"/>
+                        </a:spcBef>
+                        <a:spcAft>
+                          <a:spcPts val="0"/>
+                        </a:spcAft>
+                        <a:buClrTx/>
+                        <a:buSzTx/>
+                        <a:buFont typeface="+mj-lt"/>
+                        <a:buAutoNum type="alphaLcParenR"/>
+                        <a:tabLst/>
+                        <a:defRPr/>
+                      </a:pPr>
+                      <a:r>
+                        <a:rPr lang="en-US" sz="1200" dirty="0"/>
+                        <a:t>Average </a:t>
+                      </a:r>
+                      <a:r>
+                        <a:rPr lang="en-US" sz="1200" dirty="0" err="1"/>
+                        <a:t>WindSpeed</a:t>
+                      </a:r>
+                      <a:endParaRPr lang="en-US" sz="1200" dirty="0"/>
+                    </a:p>
+                    <a:p>
+                      <a:pPr marL="228600" marR="0" lvl="0" indent="-228600" algn="l" defTabSz="914400" rtl="0" eaLnBrk="1" fontAlgn="auto" latinLnBrk="0" hangingPunct="1">
+                        <a:lnSpc>
+                          <a:spcPct val="100000"/>
+                        </a:lnSpc>
+                        <a:spcBef>
+                          <a:spcPts val="0"/>
+                        </a:spcBef>
+                        <a:spcAft>
+                          <a:spcPts val="0"/>
+                        </a:spcAft>
+                        <a:buClrTx/>
+                        <a:buSzTx/>
+                        <a:buFont typeface="+mj-lt"/>
+                        <a:buAutoNum type="alphaLcParenR"/>
+                        <a:tabLst/>
+                        <a:defRPr/>
+                      </a:pPr>
+                      <a:r>
+                        <a:rPr lang="en-US" sz="1200" dirty="0"/>
+                        <a:t>Average </a:t>
+                      </a:r>
+                      <a:r>
+                        <a:rPr lang="en-US" sz="1200" dirty="0" err="1"/>
+                        <a:t>LowPowerShaftRpm</a:t>
+                      </a:r>
+                      <a:endParaRPr lang="en-US" sz="1200" dirty="0"/>
+                    </a:p>
+                    <a:p>
+                      <a:pPr marL="228600" marR="0" lvl="0" indent="-228600" algn="l" defTabSz="914400" rtl="0" eaLnBrk="1" fontAlgn="auto" latinLnBrk="0" hangingPunct="1">
+                        <a:lnSpc>
+                          <a:spcPct val="100000"/>
+                        </a:lnSpc>
+                        <a:spcBef>
+                          <a:spcPts val="0"/>
+                        </a:spcBef>
+                        <a:spcAft>
+                          <a:spcPts val="0"/>
+                        </a:spcAft>
+                        <a:buClrTx/>
+                        <a:buSzTx/>
+                        <a:buFont typeface="+mj-lt"/>
+                        <a:buAutoNum type="alphaLcParenR"/>
+                        <a:tabLst/>
+                        <a:defRPr/>
+                      </a:pPr>
+                      <a:r>
+                        <a:rPr lang="en-US" sz="1200" dirty="0"/>
+                        <a:t>Average Power Ratio</a:t>
+                      </a:r>
+                    </a:p>
+                    <a:p>
+                      <a:pPr marL="228600" marR="0" lvl="0" indent="-228600" algn="l" defTabSz="914400" rtl="0" eaLnBrk="1" fontAlgn="auto" latinLnBrk="0" hangingPunct="1">
+                        <a:lnSpc>
+                          <a:spcPct val="100000"/>
+                        </a:lnSpc>
+                        <a:spcBef>
+                          <a:spcPts val="0"/>
+                        </a:spcBef>
+                        <a:spcAft>
+                          <a:spcPts val="0"/>
+                        </a:spcAft>
+                        <a:buClrTx/>
+                        <a:buSzTx/>
+                        <a:buFont typeface="+mj-lt"/>
+                        <a:buAutoNum type="alphaLcParenR"/>
+                        <a:tabLst/>
+                        <a:defRPr/>
+                      </a:pPr>
+                      <a:r>
+                        <a:rPr lang="en-US" sz="1200" dirty="0"/>
+                        <a:t>Use Line charts to show:</a:t>
+                      </a:r>
+                    </a:p>
+                    <a:p>
+                      <a:pPr marL="228600" marR="0" lvl="0" indent="-228600" algn="l" defTabSz="914400" rtl="0" eaLnBrk="1" fontAlgn="auto" latinLnBrk="0" hangingPunct="1">
+                        <a:lnSpc>
+                          <a:spcPct val="100000"/>
+                        </a:lnSpc>
+                        <a:spcBef>
+                          <a:spcPts val="0"/>
+                        </a:spcBef>
+                        <a:spcAft>
+                          <a:spcPts val="0"/>
+                        </a:spcAft>
+                        <a:buClrTx/>
+                        <a:buSzTx/>
+                        <a:buFont typeface="+mj-lt"/>
+                        <a:buAutoNum type="alphaLcParenR"/>
+                        <a:tabLst/>
+                        <a:defRPr/>
+                      </a:pPr>
+                      <a:r>
+                        <a:rPr lang="en-US" sz="1200" dirty="0"/>
+                        <a:t>Average Power by Turbine over Date/Time</a:t>
+                      </a:r>
+                    </a:p>
+                    <a:p>
+                      <a:pPr marL="228600" marR="0" lvl="0" indent="-228600" algn="l" defTabSz="914400" rtl="0" eaLnBrk="1" fontAlgn="auto" latinLnBrk="0" hangingPunct="1">
+                        <a:lnSpc>
+                          <a:spcPct val="100000"/>
+                        </a:lnSpc>
+                        <a:spcBef>
+                          <a:spcPts val="0"/>
+                        </a:spcBef>
+                        <a:spcAft>
+                          <a:spcPts val="0"/>
+                        </a:spcAft>
+                        <a:buClrTx/>
+                        <a:buSzTx/>
+                        <a:buFont typeface="+mj-lt"/>
+                        <a:buAutoNum type="alphaLcParenR"/>
+                        <a:tabLst/>
+                        <a:defRPr/>
+                      </a:pPr>
+                      <a:r>
+                        <a:rPr lang="en-US" sz="1200" dirty="0"/>
+                        <a:t>Average Power Ratio by Turbine over Date/Time</a:t>
                       </a:r>
                     </a:p>
                   </a:txBody>
@@ -5358,11 +5644,49 @@
                     <a:p>
                       <a:r>
                         <a:rPr lang="en-US" sz="1400" dirty="0"/>
-                        <a:t>Step “4”  Azure function: Evaluate the windspeed and update (action) device twin properties.</a:t>
+                        <a:t>Step “8” </a:t>
+                      </a:r>
+                      <a:r>
+                        <a:rPr lang="en-US" sz="1400" dirty="0" err="1"/>
+                        <a:t>CosmosDB</a:t>
+                      </a:r>
+                      <a:r>
+                        <a:rPr lang="en-US" sz="1400" dirty="0"/>
+                        <a:t> added as Warm Storage. Azure Stream analytics updated to store data into </a:t>
+                      </a:r>
+                      <a:r>
+                        <a:rPr lang="en-US" sz="1400" dirty="0" err="1"/>
+                        <a:t>CosmosDB</a:t>
+                      </a:r>
+                      <a:r>
+                        <a:rPr lang="en-US" sz="1400" dirty="0"/>
+                        <a:t>.</a:t>
                       </a:r>
                     </a:p>
                     <a:p>
                       <a:endParaRPr lang="en-US" sz="1400" dirty="0"/>
+                    </a:p>
+                    <a:p>
+                      <a:r>
+                        <a:rPr lang="en-US" sz="1400" dirty="0"/>
+                        <a:t>Step “9” </a:t>
+                      </a:r>
+                      <a:r>
+                        <a:rPr lang="en-US" sz="1400" dirty="0" err="1"/>
+                        <a:t>DashBoard</a:t>
+                      </a:r>
+                      <a:r>
+                        <a:rPr lang="en-US" sz="1400" dirty="0"/>
+                        <a:t> created in </a:t>
+                      </a:r>
+                      <a:r>
+                        <a:rPr lang="en-US" sz="1400" dirty="0" err="1"/>
+                        <a:t>PowerBI</a:t>
+                      </a:r>
+                      <a:r>
+                        <a:rPr lang="en-US" sz="1400" dirty="0"/>
+                        <a:t>.</a:t>
+                      </a:r>
                     </a:p>
                   </a:txBody>
                   <a:tcPr/>
@@ -5379,43 +5703,6 @@
                     <a:bodyPr/>
                     <a:lstStyle/>
                     <a:p>
-                      <a:pPr marL="0" marR="0" lvl="0" indent="0" algn="l" defTabSz="914400" rtl="0" eaLnBrk="1" fontAlgn="auto" latinLnBrk="0" hangingPunct="1">
-                        <a:lnSpc>
-                          <a:spcPct val="100000"/>
-                        </a:lnSpc>
-                        <a:spcBef>
-                          <a:spcPts val="0"/>
-                        </a:spcBef>
-                        <a:spcAft>
-                          <a:spcPts val="0"/>
-                        </a:spcAft>
-                        <a:buClrTx/>
-                        <a:buSzTx/>
-                        <a:buFontTx/>
-                        <a:buNone/>
-                        <a:tabLst/>
-                        <a:defRPr/>
-                      </a:pPr>
-                      <a:r>
-                        <a:rPr lang="en-US" sz="1400" dirty="0"/>
-                        <a:t>Data should be stored for long-term analysis. Weather station will provide telemetry data in </a:t>
-                      </a:r>
-                      <a:r>
-                        <a:rPr lang="en-US" sz="1400" b="0" i="0" dirty="0">
-                          <a:solidFill>
-                            <a:srgbClr val="313131"/>
-                          </a:solidFill>
-                          <a:effectLst/>
-                          <a:latin typeface="Open Sans"/>
-                        </a:rPr>
-                        <a:t>JSON</a:t>
-                      </a:r>
-                      <a:r>
-                        <a:rPr lang="en-US" sz="1400" dirty="0"/>
-                        <a:t> format: Temperature, Humidity, Wind Speed, Wind Direction</a:t>
-                      </a:r>
-                    </a:p>
-                    <a:p>
                       <a:endParaRPr lang="en-US" sz="1400" dirty="0"/>
                     </a:p>
                   </a:txBody>
@@ -5425,29 +5712,6 @@
                   <a:txBody>
                     <a:bodyPr/>
                     <a:lstStyle/>
-                    <a:p>
-                      <a:pPr marL="0" marR="0" lvl="0" indent="0" algn="l" defTabSz="914400" rtl="0" eaLnBrk="1" fontAlgn="auto" latinLnBrk="0" hangingPunct="1">
-                        <a:lnSpc>
-                          <a:spcPct val="100000"/>
-                        </a:lnSpc>
-                        <a:spcBef>
-                          <a:spcPts val="0"/>
-                        </a:spcBef>
-                        <a:spcAft>
-                          <a:spcPts val="0"/>
-                        </a:spcAft>
-                        <a:buClrTx/>
-                        <a:buSzTx/>
-                        <a:buFontTx/>
-                        <a:buNone/>
-                        <a:tabLst/>
-                        <a:defRPr/>
-                      </a:pPr>
-                      <a:r>
-                        <a:rPr lang="en-US" sz="1400" dirty="0"/>
-                        <a:t>Step “5” Telemetry will be stored in the cloud for long-term use with Data Lake Analytics.</a:t>
-                      </a:r>
-                    </a:p>
                     <a:p>
                       <a:endParaRPr lang="en-US" sz="1400" dirty="0"/>
                     </a:p>
@@ -5476,10 +5740,7 @@
                     <a:bodyPr/>
                     <a:lstStyle/>
                     <a:p>
-                      <a:r>
-                        <a:rPr lang="en-US" sz="1400" dirty="0"/>
-                        <a:t>Step “6” </a:t>
-                      </a:r>
+                      <a:endParaRPr lang="en-US" sz="1400" dirty="0"/>
                     </a:p>
                   </a:txBody>
                   <a:tcPr/>
@@ -5496,10 +5757,7 @@
                     <a:bodyPr/>
                     <a:lstStyle/>
                     <a:p>
-                      <a:r>
-                        <a:rPr lang="en-US" sz="1400" dirty="0"/>
-                        <a:t>Azure Streaming Analytics will be used to process incoming data and direct it to the appropriate output.</a:t>
-                      </a:r>
+                      <a:endParaRPr lang="en-US" sz="1400" dirty="0"/>
                     </a:p>
                   </a:txBody>
                   <a:tcPr/>
@@ -5509,10 +5767,6 @@
                     <a:bodyPr/>
                     <a:lstStyle/>
                     <a:p>
-                      <a:r>
-                        <a:rPr lang="en-US" sz="1400"/>
-                        <a:t>Step “7” </a:t>
-                      </a:r>
                       <a:endParaRPr lang="en-US" sz="1400" dirty="0"/>
                     </a:p>
                   </a:txBody>
